--- a/22-vertical.pptx
+++ b/22-vertical.pptx
@@ -4,12 +4,12 @@
   <p:sldMasterIdLst>
     <p:sldMasterId id="2147483648" r:id="rId1"/>
   </p:sldMasterIdLst>
+  <p:handoutMasterIdLst>
+    <p:handoutMasterId r:id="rId5"/>
+  </p:handoutMasterIdLst>
   <p:sldIdLst>
-    <p:sldId id="256" r:id="rId3"/>
-    <p:sldId id="264" r:id="rId4"/>
-    <p:sldId id="258" r:id="rId5"/>
-    <p:sldId id="260" r:id="rId6"/>
-    <p:sldId id="262" r:id="rId7"/>
+    <p:sldId id="256" r:id="rId2"/>
+    <p:sldId id="257" r:id="rId3"/>
   </p:sldIdLst>
   <p:sldSz cx="12189460" cy="6858000"/>
   <p:notesSz cx="9144000" cy="6858000"/>
@@ -4814,11 +4814,20 @@
           <a:bodyPr/>
           <a:lstStyle/>
           <a:p>
-            <a:pPr marL="0" lvl="0" indent="0">
+            <a:pPr lvl="0" marL="0" indent="0">
               <a:buNone/>
             </a:pPr>
             <a:r>
-              <a:t>EP flujos</a:t>
+              <a:rPr/>
+              <a:t>EP</a:t>
+            </a:r>
+            <a:r>
+              <a:rPr/>
+              <a:t> </a:t>
+            </a:r>
+            <a:r>
+              <a:rPr/>
+              <a:t>flujos</a:t>
             </a:r>
           </a:p>
         </p:txBody>
@@ -4843,22 +4852,28 @@
           <a:bodyPr/>
           <a:lstStyle/>
           <a:p>
-            <a:pPr marL="0" lvl="0" indent="0">
+            <a:pPr lvl="0" marL="0" indent="0">
               <a:buNone/>
             </a:pPr>
             <a:br/>
             <a:br/>
             <a:r>
-              <a:t>Elio Campitelli</a:t>
+              <a:rPr/>
+              <a:t>Elio</a:t>
+            </a:r>
+            <a:r>
+              <a:rPr/>
+              <a:t> </a:t>
+            </a:r>
+            <a:r>
+              <a:rPr/>
+              <a:t>Campitelli</a:t>
             </a:r>
           </a:p>
         </p:txBody>
       </p:sp>
     </p:spTree>
   </p:cSld>
-  <p:clrMapOvr>
-    <a:masterClrMapping/>
-  </p:clrMapOvr>
 </p:sld>
 </file>
 
@@ -4881,14 +4896,14 @@
       </p:grpSpPr>
       <p:pic>
         <p:nvPicPr>
-          <p:cNvPr id="0" name="Picture 1" descr="fig/22-vertical/unnamed-chunk-4-4.png"/>
+          <p:cNvPr descr="fig/22-vertical/unnamed-chunk-4-1.png" id="0" name="Picture 1"/>
           <p:cNvPicPr>
             <a:picLocks noGrp="1" noChangeAspect="1"/>
           </p:cNvPicPr>
           <p:nvPr/>
         </p:nvPicPr>
         <p:blipFill>
-          <a:blip r:embed="rId1"/>
+          <a:blip r:embed="rId2"/>
           <a:stretch>
             <a:fillRect/>
           </a:stretch>
@@ -4904,293 +4919,13 @@
           <a:noFill/>
           <a:ln w="9525">
             <a:noFill/>
+            <a:headEnd/>
+            <a:tailEnd/>
           </a:ln>
         </p:spPr>
       </p:pic>
-      <p:sp>
-        <p:nvSpPr>
-          <p:cNvPr id="2" name="Text Box 1"/>
-          <p:cNvSpPr txBox="1"/>
-          <p:nvPr/>
-        </p:nvSpPr>
-        <p:spPr>
-          <a:xfrm>
-            <a:off x="5079365" y="5960745"/>
-            <a:ext cx="2776220" cy="706755"/>
-          </a:xfrm>
-          <a:prstGeom prst="rect">
-            <a:avLst/>
-          </a:prstGeom>
-          <a:noFill/>
-        </p:spPr>
-        <p:txBody>
-          <a:bodyPr wrap="square" rtlCol="0">
-            <a:spAutoFit/>
-          </a:bodyPr>
-          <a:p>
-            <a:pPr algn="ctr"/>
-            <a:r>
-              <a:rPr lang="" altLang="en-US" sz="4000"/>
-              <a:t>DJF</a:t>
-            </a:r>
-            <a:endParaRPr lang="" altLang="en-US" sz="4000"/>
-          </a:p>
-        </p:txBody>
-      </p:sp>
     </p:spTree>
   </p:cSld>
-  <p:clrMapOvr>
-    <a:masterClrMapping/>
-  </p:clrMapOvr>
-</p:sld>
-</file>
-
-<file path=ppt/slides/slide3.xml><?xml version="1.0" encoding="utf-8"?>
-<p:sld xmlns:a="http://schemas.openxmlformats.org/drawingml/2006/main" xmlns:r="http://schemas.openxmlformats.org/officeDocument/2006/relationships" xmlns:p="http://schemas.openxmlformats.org/presentationml/2006/main">
-  <p:cSld>
-    <p:spTree>
-      <p:nvGrpSpPr>
-        <p:cNvPr id="1" name=""/>
-        <p:cNvGrpSpPr/>
-        <p:nvPr/>
-      </p:nvGrpSpPr>
-      <p:grpSpPr>
-        <a:xfrm>
-          <a:off x="0" y="0"/>
-          <a:ext cx="0" cy="0"/>
-          <a:chOff x="0" y="0"/>
-          <a:chExt cx="0" cy="0"/>
-        </a:xfrm>
-      </p:grpSpPr>
-      <p:pic>
-        <p:nvPicPr>
-          <p:cNvPr id="0" name="Picture 1" descr="fig/22-vertical/unnamed-chunk-4-1.png"/>
-          <p:cNvPicPr>
-            <a:picLocks noGrp="1" noChangeAspect="1"/>
-          </p:cNvPicPr>
-          <p:nvPr/>
-        </p:nvPicPr>
-        <p:blipFill>
-          <a:blip r:embed="rId1"/>
-          <a:stretch>
-            <a:fillRect/>
-          </a:stretch>
-        </p:blipFill>
-        <p:spPr bwMode="auto">
-          <a:xfrm>
-            <a:off x="558800" y="127000"/>
-            <a:ext cx="11023600" cy="6540500"/>
-          </a:xfrm>
-          <a:prstGeom prst="rect">
-            <a:avLst/>
-          </a:prstGeom>
-          <a:noFill/>
-          <a:ln w="9525">
-            <a:noFill/>
-          </a:ln>
-        </p:spPr>
-      </p:pic>
-      <p:sp>
-        <p:nvSpPr>
-          <p:cNvPr id="2" name="Text Box 1"/>
-          <p:cNvSpPr txBox="1"/>
-          <p:nvPr/>
-        </p:nvSpPr>
-        <p:spPr>
-          <a:xfrm>
-            <a:off x="5079365" y="5960745"/>
-            <a:ext cx="2776220" cy="706755"/>
-          </a:xfrm>
-          <a:prstGeom prst="rect">
-            <a:avLst/>
-          </a:prstGeom>
-          <a:noFill/>
-        </p:spPr>
-        <p:txBody>
-          <a:bodyPr wrap="square" rtlCol="0">
-            <a:spAutoFit/>
-          </a:bodyPr>
-          <a:p>
-            <a:pPr algn="ctr"/>
-            <a:r>
-              <a:rPr lang="" altLang="en-US" sz="4000"/>
-              <a:t>MAM</a:t>
-            </a:r>
-            <a:endParaRPr lang="" altLang="en-US" sz="4000"/>
-          </a:p>
-        </p:txBody>
-      </p:sp>
-    </p:spTree>
-  </p:cSld>
-  <p:clrMapOvr>
-    <a:masterClrMapping/>
-  </p:clrMapOvr>
-</p:sld>
-</file>
-
-<file path=ppt/slides/slide4.xml><?xml version="1.0" encoding="utf-8"?>
-<p:sld xmlns:a="http://schemas.openxmlformats.org/drawingml/2006/main" xmlns:r="http://schemas.openxmlformats.org/officeDocument/2006/relationships" xmlns:p="http://schemas.openxmlformats.org/presentationml/2006/main">
-  <p:cSld>
-    <p:spTree>
-      <p:nvGrpSpPr>
-        <p:cNvPr id="1" name=""/>
-        <p:cNvGrpSpPr/>
-        <p:nvPr/>
-      </p:nvGrpSpPr>
-      <p:grpSpPr>
-        <a:xfrm>
-          <a:off x="0" y="0"/>
-          <a:ext cx="0" cy="0"/>
-          <a:chOff x="0" y="0"/>
-          <a:chExt cx="0" cy="0"/>
-        </a:xfrm>
-      </p:grpSpPr>
-      <p:pic>
-        <p:nvPicPr>
-          <p:cNvPr id="0" name="Picture 1" descr="fig/22-vertical/unnamed-chunk-4-2.png"/>
-          <p:cNvPicPr>
-            <a:picLocks noGrp="1" noChangeAspect="1"/>
-          </p:cNvPicPr>
-          <p:nvPr/>
-        </p:nvPicPr>
-        <p:blipFill>
-          <a:blip r:embed="rId1"/>
-          <a:stretch>
-            <a:fillRect/>
-          </a:stretch>
-        </p:blipFill>
-        <p:spPr bwMode="auto">
-          <a:xfrm>
-            <a:off x="558800" y="127000"/>
-            <a:ext cx="11023600" cy="6540500"/>
-          </a:xfrm>
-          <a:prstGeom prst="rect">
-            <a:avLst/>
-          </a:prstGeom>
-          <a:noFill/>
-          <a:ln w="9525">
-            <a:noFill/>
-          </a:ln>
-        </p:spPr>
-      </p:pic>
-      <p:sp>
-        <p:nvSpPr>
-          <p:cNvPr id="2" name="Text Box 1"/>
-          <p:cNvSpPr txBox="1"/>
-          <p:nvPr/>
-        </p:nvSpPr>
-        <p:spPr>
-          <a:xfrm>
-            <a:off x="5079365" y="5960745"/>
-            <a:ext cx="2776220" cy="706755"/>
-          </a:xfrm>
-          <a:prstGeom prst="rect">
-            <a:avLst/>
-          </a:prstGeom>
-          <a:noFill/>
-        </p:spPr>
-        <p:txBody>
-          <a:bodyPr wrap="square" rtlCol="0">
-            <a:spAutoFit/>
-          </a:bodyPr>
-          <a:p>
-            <a:pPr algn="ctr"/>
-            <a:r>
-              <a:rPr lang="" altLang="en-US" sz="4000"/>
-              <a:t>JJA</a:t>
-            </a:r>
-            <a:endParaRPr lang="" altLang="en-US" sz="4000"/>
-          </a:p>
-        </p:txBody>
-      </p:sp>
-    </p:spTree>
-  </p:cSld>
-  <p:clrMapOvr>
-    <a:masterClrMapping/>
-  </p:clrMapOvr>
-</p:sld>
-</file>
-
-<file path=ppt/slides/slide5.xml><?xml version="1.0" encoding="utf-8"?>
-<p:sld xmlns:a="http://schemas.openxmlformats.org/drawingml/2006/main" xmlns:r="http://schemas.openxmlformats.org/officeDocument/2006/relationships" xmlns:p="http://schemas.openxmlformats.org/presentationml/2006/main">
-  <p:cSld>
-    <p:spTree>
-      <p:nvGrpSpPr>
-        <p:cNvPr id="1" name=""/>
-        <p:cNvGrpSpPr/>
-        <p:nvPr/>
-      </p:nvGrpSpPr>
-      <p:grpSpPr>
-        <a:xfrm>
-          <a:off x="0" y="0"/>
-          <a:ext cx="0" cy="0"/>
-          <a:chOff x="0" y="0"/>
-          <a:chExt cx="0" cy="0"/>
-        </a:xfrm>
-      </p:grpSpPr>
-      <p:pic>
-        <p:nvPicPr>
-          <p:cNvPr id="0" name="Picture 1" descr="fig/22-vertical/unnamed-chunk-4-3.png"/>
-          <p:cNvPicPr>
-            <a:picLocks noGrp="1" noChangeAspect="1"/>
-          </p:cNvPicPr>
-          <p:nvPr/>
-        </p:nvPicPr>
-        <p:blipFill>
-          <a:blip r:embed="rId1"/>
-          <a:stretch>
-            <a:fillRect/>
-          </a:stretch>
-        </p:blipFill>
-        <p:spPr bwMode="auto">
-          <a:xfrm>
-            <a:off x="558800" y="127000"/>
-            <a:ext cx="11023600" cy="6540500"/>
-          </a:xfrm>
-          <a:prstGeom prst="rect">
-            <a:avLst/>
-          </a:prstGeom>
-          <a:noFill/>
-          <a:ln w="9525">
-            <a:noFill/>
-          </a:ln>
-        </p:spPr>
-      </p:pic>
-      <p:sp>
-        <p:nvSpPr>
-          <p:cNvPr id="2" name="Text Box 1"/>
-          <p:cNvSpPr txBox="1"/>
-          <p:nvPr/>
-        </p:nvSpPr>
-        <p:spPr>
-          <a:xfrm>
-            <a:off x="5079365" y="5960745"/>
-            <a:ext cx="2776220" cy="706755"/>
-          </a:xfrm>
-          <a:prstGeom prst="rect">
-            <a:avLst/>
-          </a:prstGeom>
-          <a:noFill/>
-        </p:spPr>
-        <p:txBody>
-          <a:bodyPr wrap="square" rtlCol="0">
-            <a:spAutoFit/>
-          </a:bodyPr>
-          <a:p>
-            <a:pPr algn="ctr"/>
-            <a:r>
-              <a:rPr lang="" altLang="en-US" sz="4000"/>
-              <a:t>ASO</a:t>
-            </a:r>
-            <a:endParaRPr lang="" altLang="en-US" sz="4000"/>
-          </a:p>
-        </p:txBody>
-      </p:sp>
-    </p:spTree>
-  </p:cSld>
-  <p:clrMapOvr>
-    <a:masterClrMapping/>
-  </p:clrMapOvr>
 </p:sld>
 </file>
 
